--- a/dev/ICA_change.pptx
+++ b/dev/ICA_change.pptx
@@ -9,6 +9,8 @@
     <p:sldId id="257" r:id="rId3"/>
     <p:sldId id="258" r:id="rId4"/>
     <p:sldId id="259" r:id="rId5"/>
+    <p:sldId id="260" r:id="rId6"/>
+    <p:sldId id="261" r:id="rId7"/>
   </p:sldIdLst>
   <p:sldSz cx="12192000" cy="6858000"/>
   <p:notesSz cx="6858000" cy="9144000"/>
@@ -107,6 +109,11 @@
       </a:defRPr>
     </a:lvl9pPr>
   </p:defaultTextStyle>
+  <p:extLst>
+    <p:ext uri="{EFAFB233-063F-42B5-8137-9DF3F51BA10A}">
+      <p15:sldGuideLst xmlns:p15="http://schemas.microsoft.com/office/powerpoint/2012/main"/>
+    </p:ext>
+  </p:extLst>
 </p:presentation>
 </file>
 
@@ -259,7 +266,7 @@
           <a:p>
             <a:fld id="{8D0E119E-DAF5-44BD-90C7-5A91DB7CEF1A}" type="datetimeFigureOut">
               <a:rPr lang="fr-CH" smtClean="0"/>
-              <a:t>29.06.2025</a:t>
+              <a:t>03.07.2025</a:t>
             </a:fld>
             <a:endParaRPr lang="fr-CH"/>
           </a:p>
@@ -459,7 +466,7 @@
           <a:p>
             <a:fld id="{8D0E119E-DAF5-44BD-90C7-5A91DB7CEF1A}" type="datetimeFigureOut">
               <a:rPr lang="fr-CH" smtClean="0"/>
-              <a:t>29.06.2025</a:t>
+              <a:t>03.07.2025</a:t>
             </a:fld>
             <a:endParaRPr lang="fr-CH"/>
           </a:p>
@@ -669,7 +676,7 @@
           <a:p>
             <a:fld id="{8D0E119E-DAF5-44BD-90C7-5A91DB7CEF1A}" type="datetimeFigureOut">
               <a:rPr lang="fr-CH" smtClean="0"/>
-              <a:t>29.06.2025</a:t>
+              <a:t>03.07.2025</a:t>
             </a:fld>
             <a:endParaRPr lang="fr-CH"/>
           </a:p>
@@ -869,7 +876,7 @@
           <a:p>
             <a:fld id="{8D0E119E-DAF5-44BD-90C7-5A91DB7CEF1A}" type="datetimeFigureOut">
               <a:rPr lang="fr-CH" smtClean="0"/>
-              <a:t>29.06.2025</a:t>
+              <a:t>03.07.2025</a:t>
             </a:fld>
             <a:endParaRPr lang="fr-CH"/>
           </a:p>
@@ -1145,7 +1152,7 @@
           <a:p>
             <a:fld id="{8D0E119E-DAF5-44BD-90C7-5A91DB7CEF1A}" type="datetimeFigureOut">
               <a:rPr lang="fr-CH" smtClean="0"/>
-              <a:t>29.06.2025</a:t>
+              <a:t>03.07.2025</a:t>
             </a:fld>
             <a:endParaRPr lang="fr-CH"/>
           </a:p>
@@ -1413,7 +1420,7 @@
           <a:p>
             <a:fld id="{8D0E119E-DAF5-44BD-90C7-5A91DB7CEF1A}" type="datetimeFigureOut">
               <a:rPr lang="fr-CH" smtClean="0"/>
-              <a:t>29.06.2025</a:t>
+              <a:t>03.07.2025</a:t>
             </a:fld>
             <a:endParaRPr lang="fr-CH"/>
           </a:p>
@@ -1828,7 +1835,7 @@
           <a:p>
             <a:fld id="{8D0E119E-DAF5-44BD-90C7-5A91DB7CEF1A}" type="datetimeFigureOut">
               <a:rPr lang="fr-CH" smtClean="0"/>
-              <a:t>29.06.2025</a:t>
+              <a:t>03.07.2025</a:t>
             </a:fld>
             <a:endParaRPr lang="fr-CH"/>
           </a:p>
@@ -1970,7 +1977,7 @@
           <a:p>
             <a:fld id="{8D0E119E-DAF5-44BD-90C7-5A91DB7CEF1A}" type="datetimeFigureOut">
               <a:rPr lang="fr-CH" smtClean="0"/>
-              <a:t>29.06.2025</a:t>
+              <a:t>03.07.2025</a:t>
             </a:fld>
             <a:endParaRPr lang="fr-CH"/>
           </a:p>
@@ -2083,7 +2090,7 @@
           <a:p>
             <a:fld id="{8D0E119E-DAF5-44BD-90C7-5A91DB7CEF1A}" type="datetimeFigureOut">
               <a:rPr lang="fr-CH" smtClean="0"/>
-              <a:t>29.06.2025</a:t>
+              <a:t>03.07.2025</a:t>
             </a:fld>
             <a:endParaRPr lang="fr-CH"/>
           </a:p>
@@ -2396,7 +2403,7 @@
           <a:p>
             <a:fld id="{8D0E119E-DAF5-44BD-90C7-5A91DB7CEF1A}" type="datetimeFigureOut">
               <a:rPr lang="fr-CH" smtClean="0"/>
-              <a:t>29.06.2025</a:t>
+              <a:t>03.07.2025</a:t>
             </a:fld>
             <a:endParaRPr lang="fr-CH"/>
           </a:p>
@@ -2685,7 +2692,7 @@
           <a:p>
             <a:fld id="{8D0E119E-DAF5-44BD-90C7-5A91DB7CEF1A}" type="datetimeFigureOut">
               <a:rPr lang="fr-CH" smtClean="0"/>
-              <a:t>29.06.2025</a:t>
+              <a:t>03.07.2025</a:t>
             </a:fld>
             <a:endParaRPr lang="fr-CH"/>
           </a:p>
@@ -2928,7 +2935,7 @@
           <a:p>
             <a:fld id="{8D0E119E-DAF5-44BD-90C7-5A91DB7CEF1A}" type="datetimeFigureOut">
               <a:rPr lang="fr-CH" smtClean="0"/>
-              <a:t>29.06.2025</a:t>
+              <a:t>03.07.2025</a:t>
             </a:fld>
             <a:endParaRPr lang="fr-CH"/>
           </a:p>
@@ -4770,6 +4777,826 @@
     <p:extLst>
       <p:ext uri="{BB962C8B-B14F-4D97-AF65-F5344CB8AC3E}">
         <p14:creationId xmlns:p14="http://schemas.microsoft.com/office/powerpoint/2010/main" val="219245795"/>
+      </p:ext>
+    </p:extLst>
+  </p:cSld>
+  <p:clrMapOvr>
+    <a:masterClrMapping/>
+  </p:clrMapOvr>
+</p:sld>
+</file>
+
+<file path=ppt/slides/slide5.xml><?xml version="1.0" encoding="utf-8"?>
+<p:sld xmlns:a="http://schemas.openxmlformats.org/drawingml/2006/main" xmlns:r="http://schemas.openxmlformats.org/officeDocument/2006/relationships" xmlns:p="http://schemas.openxmlformats.org/presentationml/2006/main">
+  <p:cSld>
+    <p:spTree>
+      <p:nvGrpSpPr>
+        <p:cNvPr id="1" name=""/>
+        <p:cNvGrpSpPr/>
+        <p:nvPr/>
+      </p:nvGrpSpPr>
+      <p:grpSpPr>
+        <a:xfrm>
+          <a:off x="0" y="0"/>
+          <a:ext cx="0" cy="0"/>
+          <a:chOff x="0" y="0"/>
+          <a:chExt cx="0" cy="0"/>
+        </a:xfrm>
+      </p:grpSpPr>
+      <p:sp>
+        <p:nvSpPr>
+          <p:cNvPr id="2" name="Title 1">
+            <a:extLst>
+              <a:ext uri="{FF2B5EF4-FFF2-40B4-BE49-F238E27FC236}">
+                <a16:creationId xmlns:a16="http://schemas.microsoft.com/office/drawing/2014/main" id="{F2A2D2D5-5578-194B-67ED-E387012B44BF}"/>
+              </a:ext>
+            </a:extLst>
+          </p:cNvPr>
+          <p:cNvSpPr>
+            <a:spLocks noGrp="1"/>
+          </p:cNvSpPr>
+          <p:nvPr>
+            <p:ph type="title"/>
+          </p:nvPr>
+        </p:nvSpPr>
+        <p:spPr>
+          <a:xfrm>
+            <a:off x="838200" y="109094"/>
+            <a:ext cx="10515600" cy="315912"/>
+          </a:xfrm>
+        </p:spPr>
+        <p:txBody>
+          <a:bodyPr>
+            <a:normAutofit fontScale="90000"/>
+          </a:bodyPr>
+          <a:lstStyle/>
+          <a:p>
+            <a:r>
+              <a:rPr lang="fr-FR" sz="3200" dirty="0"/>
+              <a:t>Comment appeler ICA label et changer les valeur</a:t>
+            </a:r>
+            <a:endParaRPr lang="fr-CH" sz="3200" dirty="0"/>
+          </a:p>
+        </p:txBody>
+      </p:sp>
+      <p:sp>
+        <p:nvSpPr>
+          <p:cNvPr id="4" name="TextBox 3">
+            <a:extLst>
+              <a:ext uri="{FF2B5EF4-FFF2-40B4-BE49-F238E27FC236}">
+                <a16:creationId xmlns:a16="http://schemas.microsoft.com/office/drawing/2014/main" id="{1BF4D5B8-43CB-B43B-D2BB-FC228C4DC33C}"/>
+              </a:ext>
+            </a:extLst>
+          </p:cNvPr>
+          <p:cNvSpPr txBox="1"/>
+          <p:nvPr/>
+        </p:nvSpPr>
+        <p:spPr>
+          <a:xfrm>
+            <a:off x="722376" y="530352"/>
+            <a:ext cx="5624360" cy="646331"/>
+          </a:xfrm>
+          <a:prstGeom prst="rect">
+            <a:avLst/>
+          </a:prstGeom>
+          <a:noFill/>
+        </p:spPr>
+        <p:txBody>
+          <a:bodyPr wrap="none" rtlCol="0">
+            <a:spAutoFit/>
+          </a:bodyPr>
+          <a:lstStyle/>
+          <a:p>
+            <a:r>
+              <a:rPr lang="fr-FR" dirty="0"/>
+              <a:t>Les valeur proba de label sont stocké dans la variable : </a:t>
+            </a:r>
+            <a:br>
+              <a:rPr lang="fr-FR" dirty="0"/>
+            </a:br>
+            <a:r>
+              <a:rPr lang="fr-FR" dirty="0" err="1">
+                <a:latin typeface="Courier New" panose="02070309020205020404" pitchFamily="49" charset="0"/>
+                <a:cs typeface="Courier New" panose="02070309020205020404" pitchFamily="49" charset="0"/>
+              </a:rPr>
+              <a:t>EEG.etc.ic_classification.ICLabel</a:t>
+            </a:r>
+            <a:endParaRPr lang="fr-CH" dirty="0">
+              <a:latin typeface="Courier New" panose="02070309020205020404" pitchFamily="49" charset="0"/>
+              <a:cs typeface="Courier New" panose="02070309020205020404" pitchFamily="49" charset="0"/>
+            </a:endParaRPr>
+          </a:p>
+        </p:txBody>
+      </p:sp>
+      <p:pic>
+        <p:nvPicPr>
+          <p:cNvPr id="6" name="Picture 5">
+            <a:extLst>
+              <a:ext uri="{FF2B5EF4-FFF2-40B4-BE49-F238E27FC236}">
+                <a16:creationId xmlns:a16="http://schemas.microsoft.com/office/drawing/2014/main" id="{A271CF7C-922C-7719-FD3A-8B3B5EDE604E}"/>
+              </a:ext>
+            </a:extLst>
+          </p:cNvPr>
+          <p:cNvPicPr>
+            <a:picLocks noChangeAspect="1"/>
+          </p:cNvPicPr>
+          <p:nvPr/>
+        </p:nvPicPr>
+        <p:blipFill>
+          <a:blip r:embed="rId2"/>
+          <a:stretch>
+            <a:fillRect/>
+          </a:stretch>
+        </p:blipFill>
+        <p:spPr>
+          <a:xfrm>
+            <a:off x="98889" y="2149684"/>
+            <a:ext cx="5172797" cy="1552792"/>
+          </a:xfrm>
+          <a:prstGeom prst="rect">
+            <a:avLst/>
+          </a:prstGeom>
+        </p:spPr>
+      </p:pic>
+      <p:pic>
+        <p:nvPicPr>
+          <p:cNvPr id="8" name="Picture 7">
+            <a:extLst>
+              <a:ext uri="{FF2B5EF4-FFF2-40B4-BE49-F238E27FC236}">
+                <a16:creationId xmlns:a16="http://schemas.microsoft.com/office/drawing/2014/main" id="{C4E1D7C1-3F04-A302-D22D-6EAB9709CFAD}"/>
+              </a:ext>
+            </a:extLst>
+          </p:cNvPr>
+          <p:cNvPicPr>
+            <a:picLocks noChangeAspect="1"/>
+          </p:cNvPicPr>
+          <p:nvPr/>
+        </p:nvPicPr>
+        <p:blipFill>
+          <a:blip r:embed="rId3"/>
+          <a:stretch>
+            <a:fillRect/>
+          </a:stretch>
+        </p:blipFill>
+        <p:spPr>
+          <a:xfrm>
+            <a:off x="298942" y="1783080"/>
+            <a:ext cx="4972744" cy="438211"/>
+          </a:xfrm>
+          <a:prstGeom prst="rect">
+            <a:avLst/>
+          </a:prstGeom>
+        </p:spPr>
+      </p:pic>
+      <p:cxnSp>
+        <p:nvCxnSpPr>
+          <p:cNvPr id="10" name="Straight Arrow Connector 9">
+            <a:extLst>
+              <a:ext uri="{FF2B5EF4-FFF2-40B4-BE49-F238E27FC236}">
+                <a16:creationId xmlns:a16="http://schemas.microsoft.com/office/drawing/2014/main" id="{BF1DC2E8-CA6C-B784-2ADB-4FD96475D790}"/>
+              </a:ext>
+            </a:extLst>
+          </p:cNvPr>
+          <p:cNvCxnSpPr/>
+          <p:nvPr/>
+        </p:nvCxnSpPr>
+        <p:spPr>
+          <a:xfrm>
+            <a:off x="298942" y="1655064"/>
+            <a:ext cx="1764792" cy="0"/>
+          </a:xfrm>
+          <a:prstGeom prst="straightConnector1">
+            <a:avLst/>
+          </a:prstGeom>
+          <a:ln>
+            <a:tailEnd type="triangle"/>
+          </a:ln>
+        </p:spPr>
+        <p:style>
+          <a:lnRef idx="2">
+            <a:schemeClr val="accent1"/>
+          </a:lnRef>
+          <a:fillRef idx="0">
+            <a:schemeClr val="accent1"/>
+          </a:fillRef>
+          <a:effectRef idx="1">
+            <a:schemeClr val="accent1"/>
+          </a:effectRef>
+          <a:fontRef idx="minor">
+            <a:schemeClr val="tx1"/>
+          </a:fontRef>
+        </p:style>
+      </p:cxnSp>
+      <p:cxnSp>
+        <p:nvCxnSpPr>
+          <p:cNvPr id="11" name="Straight Arrow Connector 10">
+            <a:extLst>
+              <a:ext uri="{FF2B5EF4-FFF2-40B4-BE49-F238E27FC236}">
+                <a16:creationId xmlns:a16="http://schemas.microsoft.com/office/drawing/2014/main" id="{70D8D444-F698-1FDA-B555-2414377626D6}"/>
+              </a:ext>
+            </a:extLst>
+          </p:cNvPr>
+          <p:cNvCxnSpPr>
+            <a:cxnSpLocks/>
+          </p:cNvCxnSpPr>
+          <p:nvPr/>
+        </p:nvCxnSpPr>
+        <p:spPr>
+          <a:xfrm>
+            <a:off x="5559552" y="1882820"/>
+            <a:ext cx="0" cy="1819656"/>
+          </a:xfrm>
+          <a:prstGeom prst="straightConnector1">
+            <a:avLst/>
+          </a:prstGeom>
+          <a:ln>
+            <a:tailEnd type="triangle"/>
+          </a:ln>
+        </p:spPr>
+        <p:style>
+          <a:lnRef idx="2">
+            <a:schemeClr val="accent1"/>
+          </a:lnRef>
+          <a:fillRef idx="0">
+            <a:schemeClr val="accent1"/>
+          </a:fillRef>
+          <a:effectRef idx="1">
+            <a:schemeClr val="accent1"/>
+          </a:effectRef>
+          <a:fontRef idx="minor">
+            <a:schemeClr val="tx1"/>
+          </a:fontRef>
+        </p:style>
+      </p:cxnSp>
+      <p:sp>
+        <p:nvSpPr>
+          <p:cNvPr id="13" name="TextBox 12">
+            <a:extLst>
+              <a:ext uri="{FF2B5EF4-FFF2-40B4-BE49-F238E27FC236}">
+                <a16:creationId xmlns:a16="http://schemas.microsoft.com/office/drawing/2014/main" id="{0DCC25FC-87AD-4A09-5A8A-086A019D5FC0}"/>
+              </a:ext>
+            </a:extLst>
+          </p:cNvPr>
+          <p:cNvSpPr txBox="1"/>
+          <p:nvPr/>
+        </p:nvSpPr>
+        <p:spPr>
+          <a:xfrm>
+            <a:off x="2276856" y="1417320"/>
+            <a:ext cx="2482474" cy="369332"/>
+          </a:xfrm>
+          <a:prstGeom prst="rect">
+            <a:avLst/>
+          </a:prstGeom>
+          <a:noFill/>
+        </p:spPr>
+        <p:txBody>
+          <a:bodyPr wrap="none" rtlCol="0">
+            <a:spAutoFit/>
+          </a:bodyPr>
+          <a:lstStyle/>
+          <a:p>
+            <a:r>
+              <a:rPr lang="fr-FR" dirty="0"/>
+              <a:t>Classe de components</a:t>
+            </a:r>
+            <a:endParaRPr lang="fr-CH" dirty="0"/>
+          </a:p>
+        </p:txBody>
+      </p:sp>
+      <p:sp>
+        <p:nvSpPr>
+          <p:cNvPr id="14" name="TextBox 13">
+            <a:extLst>
+              <a:ext uri="{FF2B5EF4-FFF2-40B4-BE49-F238E27FC236}">
+                <a16:creationId xmlns:a16="http://schemas.microsoft.com/office/drawing/2014/main" id="{7EF5EBA1-3C97-763A-5F03-5B82712B7AC0}"/>
+              </a:ext>
+            </a:extLst>
+          </p:cNvPr>
+          <p:cNvSpPr txBox="1"/>
+          <p:nvPr/>
+        </p:nvSpPr>
+        <p:spPr>
+          <a:xfrm>
+            <a:off x="5641848" y="2359152"/>
+            <a:ext cx="2221992" cy="646331"/>
+          </a:xfrm>
+          <a:prstGeom prst="rect">
+            <a:avLst/>
+          </a:prstGeom>
+          <a:noFill/>
+        </p:spPr>
+        <p:txBody>
+          <a:bodyPr wrap="square" rtlCol="0">
+            <a:spAutoFit/>
+          </a:bodyPr>
+          <a:lstStyle/>
+          <a:p>
+            <a:r>
+              <a:rPr lang="fr-FR" dirty="0"/>
+              <a:t>Les composante (nb électrode -1)</a:t>
+            </a:r>
+            <a:endParaRPr lang="fr-CH" dirty="0"/>
+          </a:p>
+        </p:txBody>
+      </p:sp>
+      <p:sp>
+        <p:nvSpPr>
+          <p:cNvPr id="16" name="TextBox 15">
+            <a:extLst>
+              <a:ext uri="{FF2B5EF4-FFF2-40B4-BE49-F238E27FC236}">
+                <a16:creationId xmlns:a16="http://schemas.microsoft.com/office/drawing/2014/main" id="{F6A630D0-4F12-E60C-D1A7-EB7C3BEAFABF}"/>
+              </a:ext>
+            </a:extLst>
+          </p:cNvPr>
+          <p:cNvSpPr txBox="1"/>
+          <p:nvPr/>
+        </p:nvSpPr>
+        <p:spPr>
+          <a:xfrm>
+            <a:off x="298941" y="4155437"/>
+            <a:ext cx="11054857" cy="369332"/>
+          </a:xfrm>
+          <a:prstGeom prst="rect">
+            <a:avLst/>
+          </a:prstGeom>
+          <a:noFill/>
+        </p:spPr>
+        <p:txBody>
+          <a:bodyPr wrap="square">
+            <a:spAutoFit/>
+          </a:bodyPr>
+          <a:lstStyle/>
+          <a:p>
+            <a:r>
+              <a:rPr lang="fr-FR" dirty="0"/>
+              <a:t>Quand tu utilises </a:t>
+            </a:r>
+            <a:r>
+              <a:rPr lang="fr-FR" b="1" dirty="0"/>
+              <a:t>"Flag components as artefact"</a:t>
+            </a:r>
+            <a:r>
+              <a:rPr lang="fr-FR" dirty="0"/>
+              <a:t>, EEGLAB met à jour le champ suivant dans la structure EEG :</a:t>
+            </a:r>
+            <a:endParaRPr lang="fr-CH" dirty="0"/>
+          </a:p>
+        </p:txBody>
+      </p:sp>
+      <p:sp>
+        <p:nvSpPr>
+          <p:cNvPr id="17" name="TextBox 16">
+            <a:extLst>
+              <a:ext uri="{FF2B5EF4-FFF2-40B4-BE49-F238E27FC236}">
+                <a16:creationId xmlns:a16="http://schemas.microsoft.com/office/drawing/2014/main" id="{D8747C06-7520-1ADC-3B98-05FDE9215D23}"/>
+              </a:ext>
+            </a:extLst>
+          </p:cNvPr>
+          <p:cNvSpPr txBox="1"/>
+          <p:nvPr/>
+        </p:nvSpPr>
+        <p:spPr>
+          <a:xfrm>
+            <a:off x="1181338" y="4633819"/>
+            <a:ext cx="2528256" cy="369332"/>
+          </a:xfrm>
+          <a:prstGeom prst="rect">
+            <a:avLst/>
+          </a:prstGeom>
+          <a:noFill/>
+        </p:spPr>
+        <p:txBody>
+          <a:bodyPr wrap="none" rtlCol="0">
+            <a:spAutoFit/>
+          </a:bodyPr>
+          <a:lstStyle/>
+          <a:p>
+            <a:r>
+              <a:rPr lang="fr-CH" dirty="0" err="1">
+                <a:latin typeface="Courier New" panose="02070309020205020404" pitchFamily="49" charset="0"/>
+                <a:cs typeface="Courier New" panose="02070309020205020404" pitchFamily="49" charset="0"/>
+              </a:rPr>
+              <a:t>EEG.reject.icarej</a:t>
+            </a:r>
+            <a:endParaRPr lang="fr-CH" dirty="0">
+              <a:latin typeface="Courier New" panose="02070309020205020404" pitchFamily="49" charset="0"/>
+              <a:cs typeface="Courier New" panose="02070309020205020404" pitchFamily="49" charset="0"/>
+            </a:endParaRPr>
+          </a:p>
+        </p:txBody>
+      </p:sp>
+      <p:sp>
+        <p:nvSpPr>
+          <p:cNvPr id="19" name="TextBox 18">
+            <a:extLst>
+              <a:ext uri="{FF2B5EF4-FFF2-40B4-BE49-F238E27FC236}">
+                <a16:creationId xmlns:a16="http://schemas.microsoft.com/office/drawing/2014/main" id="{D9C6115C-B9C8-08AF-5744-6B8E53798119}"/>
+              </a:ext>
+            </a:extLst>
+          </p:cNvPr>
+          <p:cNvSpPr txBox="1"/>
+          <p:nvPr/>
+        </p:nvSpPr>
+        <p:spPr>
+          <a:xfrm>
+            <a:off x="298940" y="5117514"/>
+            <a:ext cx="10701291" cy="369332"/>
+          </a:xfrm>
+          <a:prstGeom prst="rect">
+            <a:avLst/>
+          </a:prstGeom>
+          <a:noFill/>
+        </p:spPr>
+        <p:txBody>
+          <a:bodyPr wrap="square">
+            <a:spAutoFit/>
+          </a:bodyPr>
+          <a:lstStyle/>
+          <a:p>
+            <a:r>
+              <a:rPr lang="fr-FR" dirty="0"/>
+              <a:t>Donc pour récupérer les composants marqués comme artefacts, tu peux faire dans le </a:t>
+            </a:r>
+            <a:r>
+              <a:rPr lang="fr-FR" dirty="0" err="1"/>
+              <a:t>workspace</a:t>
+            </a:r>
+            <a:r>
+              <a:rPr lang="fr-FR" dirty="0"/>
+              <a:t> :</a:t>
+            </a:r>
+            <a:endParaRPr lang="fr-CH" dirty="0"/>
+          </a:p>
+        </p:txBody>
+      </p:sp>
+      <p:sp>
+        <p:nvSpPr>
+          <p:cNvPr id="21" name="TextBox 20">
+            <a:extLst>
+              <a:ext uri="{FF2B5EF4-FFF2-40B4-BE49-F238E27FC236}">
+                <a16:creationId xmlns:a16="http://schemas.microsoft.com/office/drawing/2014/main" id="{5E743353-7096-BF5F-708E-577FF129E075}"/>
+              </a:ext>
+            </a:extLst>
+          </p:cNvPr>
+          <p:cNvSpPr txBox="1"/>
+          <p:nvPr/>
+        </p:nvSpPr>
+        <p:spPr>
+          <a:xfrm>
+            <a:off x="1181338" y="5595896"/>
+            <a:ext cx="6094476" cy="369332"/>
+          </a:xfrm>
+          <a:prstGeom prst="rect">
+            <a:avLst/>
+          </a:prstGeom>
+          <a:noFill/>
+        </p:spPr>
+        <p:txBody>
+          <a:bodyPr wrap="square">
+            <a:spAutoFit/>
+          </a:bodyPr>
+          <a:lstStyle/>
+          <a:p>
+            <a:r>
+              <a:rPr lang="fr-CH" dirty="0" err="1">
+                <a:latin typeface="Courier New" panose="02070309020205020404" pitchFamily="49" charset="0"/>
+                <a:cs typeface="Courier New" panose="02070309020205020404" pitchFamily="49" charset="0"/>
+              </a:rPr>
+              <a:t>artefactICs</a:t>
+            </a:r>
+            <a:r>
+              <a:rPr lang="fr-CH" dirty="0">
+                <a:latin typeface="Courier New" panose="02070309020205020404" pitchFamily="49" charset="0"/>
+                <a:cs typeface="Courier New" panose="02070309020205020404" pitchFamily="49" charset="0"/>
+              </a:rPr>
+              <a:t> = </a:t>
+            </a:r>
+            <a:r>
+              <a:rPr lang="fr-CH" dirty="0" err="1">
+                <a:latin typeface="Courier New" panose="02070309020205020404" pitchFamily="49" charset="0"/>
+                <a:cs typeface="Courier New" panose="02070309020205020404" pitchFamily="49" charset="0"/>
+              </a:rPr>
+              <a:t>find</a:t>
+            </a:r>
+            <a:r>
+              <a:rPr lang="fr-CH" dirty="0">
+                <a:latin typeface="Courier New" panose="02070309020205020404" pitchFamily="49" charset="0"/>
+                <a:cs typeface="Courier New" panose="02070309020205020404" pitchFamily="49" charset="0"/>
+              </a:rPr>
+              <a:t>(</a:t>
+            </a:r>
+            <a:r>
+              <a:rPr lang="fr-CH" dirty="0" err="1">
+                <a:latin typeface="Courier New" panose="02070309020205020404" pitchFamily="49" charset="0"/>
+                <a:cs typeface="Courier New" panose="02070309020205020404" pitchFamily="49" charset="0"/>
+              </a:rPr>
+              <a:t>EEG.reject.icarej</a:t>
+            </a:r>
+            <a:r>
+              <a:rPr lang="fr-CH" dirty="0">
+                <a:latin typeface="Courier New" panose="02070309020205020404" pitchFamily="49" charset="0"/>
+                <a:cs typeface="Courier New" panose="02070309020205020404" pitchFamily="49" charset="0"/>
+              </a:rPr>
+              <a:t>);</a:t>
+            </a:r>
+          </a:p>
+        </p:txBody>
+      </p:sp>
+    </p:spTree>
+    <p:extLst>
+      <p:ext uri="{BB962C8B-B14F-4D97-AF65-F5344CB8AC3E}">
+        <p14:creationId xmlns:p14="http://schemas.microsoft.com/office/powerpoint/2010/main" val="3897555006"/>
+      </p:ext>
+    </p:extLst>
+  </p:cSld>
+  <p:clrMapOvr>
+    <a:masterClrMapping/>
+  </p:clrMapOvr>
+</p:sld>
+</file>
+
+<file path=ppt/slides/slide6.xml><?xml version="1.0" encoding="utf-8"?>
+<p:sld xmlns:a="http://schemas.openxmlformats.org/drawingml/2006/main" xmlns:r="http://schemas.openxmlformats.org/officeDocument/2006/relationships" xmlns:p="http://schemas.openxmlformats.org/presentationml/2006/main">
+  <p:cSld>
+    <p:spTree>
+      <p:nvGrpSpPr>
+        <p:cNvPr id="1" name=""/>
+        <p:cNvGrpSpPr/>
+        <p:nvPr/>
+      </p:nvGrpSpPr>
+      <p:grpSpPr>
+        <a:xfrm>
+          <a:off x="0" y="0"/>
+          <a:ext cx="0" cy="0"/>
+          <a:chOff x="0" y="0"/>
+          <a:chExt cx="0" cy="0"/>
+        </a:xfrm>
+      </p:grpSpPr>
+      <p:sp>
+        <p:nvSpPr>
+          <p:cNvPr id="4" name="TextBox 3">
+            <a:extLst>
+              <a:ext uri="{FF2B5EF4-FFF2-40B4-BE49-F238E27FC236}">
+                <a16:creationId xmlns:a16="http://schemas.microsoft.com/office/drawing/2014/main" id="{F4A5A22F-9DE1-25BC-C887-410CB4A02B57}"/>
+              </a:ext>
+            </a:extLst>
+          </p:cNvPr>
+          <p:cNvSpPr txBox="1"/>
+          <p:nvPr/>
+        </p:nvSpPr>
+        <p:spPr>
+          <a:xfrm>
+            <a:off x="548640" y="219456"/>
+            <a:ext cx="11292840" cy="1477328"/>
+          </a:xfrm>
+          <a:prstGeom prst="rect">
+            <a:avLst/>
+          </a:prstGeom>
+          <a:noFill/>
+        </p:spPr>
+        <p:txBody>
+          <a:bodyPr wrap="square" rtlCol="0">
+            <a:spAutoFit/>
+          </a:bodyPr>
+          <a:lstStyle/>
+          <a:p>
+            <a:r>
+              <a:rPr lang="fr-FR" dirty="0"/>
+              <a:t>Tu est obliger de d’exécutez Label components avant d’exécuter Flag components. </a:t>
+            </a:r>
+          </a:p>
+          <a:p>
+            <a:endParaRPr lang="fr-FR" dirty="0"/>
+          </a:p>
+          <a:p>
+            <a:r>
+              <a:rPr lang="fr-FR" dirty="0"/>
+              <a:t>Deux </a:t>
+            </a:r>
+            <a:r>
+              <a:rPr lang="fr-FR" dirty="0" err="1"/>
+              <a:t>stragegy</a:t>
+            </a:r>
+            <a:r>
+              <a:rPr lang="fr-FR" dirty="0"/>
+              <a:t>: 1. je fais moi-même le test avec ces proba pour flagger les </a:t>
+            </a:r>
+            <a:r>
+              <a:rPr lang="fr-FR" dirty="0" err="1"/>
+              <a:t>bad</a:t>
+            </a:r>
+            <a:endParaRPr lang="fr-FR" dirty="0"/>
+          </a:p>
+          <a:p>
+            <a:r>
+              <a:rPr lang="fr-FR" dirty="0"/>
+              <a:t>2. Soit j’appel son script flag compound mais je doit trouver un moyen pour modifier ces paramètres. </a:t>
+            </a:r>
+            <a:br>
+              <a:rPr lang="fr-FR" dirty="0"/>
+            </a:br>
+            <a:r>
+              <a:rPr lang="fr-FR" dirty="0"/>
+              <a:t>La solution 1 est plus simple, je choisi celle-là. </a:t>
+            </a:r>
+            <a:endParaRPr lang="fr-CH" dirty="0"/>
+          </a:p>
+        </p:txBody>
+      </p:sp>
+      <p:sp>
+        <p:nvSpPr>
+          <p:cNvPr id="5" name="TextBox 4">
+            <a:extLst>
+              <a:ext uri="{FF2B5EF4-FFF2-40B4-BE49-F238E27FC236}">
+                <a16:creationId xmlns:a16="http://schemas.microsoft.com/office/drawing/2014/main" id="{385916B1-972F-1EDD-5DAA-059C42B2AAFF}"/>
+              </a:ext>
+            </a:extLst>
+          </p:cNvPr>
+          <p:cNvSpPr txBox="1"/>
+          <p:nvPr/>
+        </p:nvSpPr>
+        <p:spPr>
+          <a:xfrm>
+            <a:off x="1938528" y="1947672"/>
+            <a:ext cx="7136184" cy="369332"/>
+          </a:xfrm>
+          <a:prstGeom prst="rect">
+            <a:avLst/>
+          </a:prstGeom>
+          <a:noFill/>
+        </p:spPr>
+        <p:txBody>
+          <a:bodyPr wrap="none" rtlCol="0">
+            <a:spAutoFit/>
+          </a:bodyPr>
+          <a:lstStyle/>
+          <a:p>
+            <a:r>
+              <a:rPr lang="en-US" dirty="0" err="1"/>
+              <a:t>editField</a:t>
+            </a:r>
+            <a:r>
+              <a:rPr lang="en-US" dirty="0"/>
+              <a:t> = </a:t>
+            </a:r>
+            <a:r>
+              <a:rPr lang="en-US" dirty="0" err="1"/>
+              <a:t>uieditfield</a:t>
+            </a:r>
+            <a:r>
+              <a:rPr lang="en-US" dirty="0"/>
+              <a:t>(fig, 'text', 'Position', [20 90 350 30], 'Value', '1 2 3');</a:t>
+            </a:r>
+            <a:endParaRPr lang="fr-CH" dirty="0"/>
+          </a:p>
+        </p:txBody>
+      </p:sp>
+      <p:sp>
+        <p:nvSpPr>
+          <p:cNvPr id="7" name="TextBox 6">
+            <a:extLst>
+              <a:ext uri="{FF2B5EF4-FFF2-40B4-BE49-F238E27FC236}">
+                <a16:creationId xmlns:a16="http://schemas.microsoft.com/office/drawing/2014/main" id="{9E9BF4EC-37B9-7DAE-7A75-05A309D5A31F}"/>
+              </a:ext>
+            </a:extLst>
+          </p:cNvPr>
+          <p:cNvSpPr txBox="1"/>
+          <p:nvPr/>
+        </p:nvSpPr>
+        <p:spPr>
+          <a:xfrm>
+            <a:off x="1602486" y="3310128"/>
+            <a:ext cx="6094476" cy="2031325"/>
+          </a:xfrm>
+          <a:prstGeom prst="rect">
+            <a:avLst/>
+          </a:prstGeom>
+          <a:noFill/>
+        </p:spPr>
+        <p:txBody>
+          <a:bodyPr wrap="square">
+            <a:spAutoFit/>
+          </a:bodyPr>
+          <a:lstStyle/>
+          <a:p>
+            <a:r>
+              <a:rPr lang="fr-CH" dirty="0">
+                <a:latin typeface="Courier New" panose="02070309020205020404" pitchFamily="49" charset="0"/>
+                <a:cs typeface="Courier New" panose="02070309020205020404" pitchFamily="49" charset="0"/>
+              </a:rPr>
+              <a:t>% Création de la variable dans le </a:t>
+            </a:r>
+            <a:r>
+              <a:rPr lang="fr-CH" dirty="0" err="1">
+                <a:latin typeface="Courier New" panose="02070309020205020404" pitchFamily="49" charset="0"/>
+                <a:cs typeface="Courier New" panose="02070309020205020404" pitchFamily="49" charset="0"/>
+              </a:rPr>
+              <a:t>workspace</a:t>
+            </a:r>
+            <a:r>
+              <a:rPr lang="fr-CH" dirty="0">
+                <a:latin typeface="Courier New" panose="02070309020205020404" pitchFamily="49" charset="0"/>
+                <a:cs typeface="Courier New" panose="02070309020205020404" pitchFamily="49" charset="0"/>
+              </a:rPr>
+              <a:t> principal</a:t>
+            </a:r>
+          </a:p>
+          <a:p>
+            <a:r>
+              <a:rPr lang="fr-CH" dirty="0" err="1">
+                <a:latin typeface="Courier New" panose="02070309020205020404" pitchFamily="49" charset="0"/>
+                <a:cs typeface="Courier New" panose="02070309020205020404" pitchFamily="49" charset="0"/>
+              </a:rPr>
+              <a:t>assignin</a:t>
+            </a:r>
+            <a:r>
+              <a:rPr lang="fr-CH" dirty="0">
+                <a:latin typeface="Courier New" panose="02070309020205020404" pitchFamily="49" charset="0"/>
+                <a:cs typeface="Courier New" panose="02070309020205020404" pitchFamily="49" charset="0"/>
+              </a:rPr>
+              <a:t>('base', '</a:t>
+            </a:r>
+            <a:r>
+              <a:rPr lang="fr-CH" dirty="0" err="1">
+                <a:latin typeface="Courier New" panose="02070309020205020404" pitchFamily="49" charset="0"/>
+                <a:cs typeface="Courier New" panose="02070309020205020404" pitchFamily="49" charset="0"/>
+              </a:rPr>
+              <a:t>myTempVar</a:t>
+            </a:r>
+            <a:r>
+              <a:rPr lang="fr-CH" dirty="0">
+                <a:latin typeface="Courier New" panose="02070309020205020404" pitchFamily="49" charset="0"/>
+                <a:cs typeface="Courier New" panose="02070309020205020404" pitchFamily="49" charset="0"/>
+              </a:rPr>
+              <a:t>', 123);</a:t>
+            </a:r>
+          </a:p>
+          <a:p>
+            <a:endParaRPr lang="fr-CH" dirty="0">
+              <a:latin typeface="Courier New" panose="02070309020205020404" pitchFamily="49" charset="0"/>
+              <a:cs typeface="Courier New" panose="02070309020205020404" pitchFamily="49" charset="0"/>
+            </a:endParaRPr>
+          </a:p>
+          <a:p>
+            <a:r>
+              <a:rPr lang="fr-CH" dirty="0">
+                <a:latin typeface="Courier New" panose="02070309020205020404" pitchFamily="49" charset="0"/>
+                <a:cs typeface="Courier New" panose="02070309020205020404" pitchFamily="49" charset="0"/>
+              </a:rPr>
+              <a:t>% Suppression de cette variable depuis la même fonction</a:t>
+            </a:r>
+          </a:p>
+          <a:p>
+            <a:r>
+              <a:rPr lang="fr-CH" dirty="0" err="1">
+                <a:latin typeface="Courier New" panose="02070309020205020404" pitchFamily="49" charset="0"/>
+                <a:cs typeface="Courier New" panose="02070309020205020404" pitchFamily="49" charset="0"/>
+              </a:rPr>
+              <a:t>evalin</a:t>
+            </a:r>
+            <a:r>
+              <a:rPr lang="fr-CH" dirty="0">
+                <a:latin typeface="Courier New" panose="02070309020205020404" pitchFamily="49" charset="0"/>
+                <a:cs typeface="Courier New" panose="02070309020205020404" pitchFamily="49" charset="0"/>
+              </a:rPr>
+              <a:t>('base', '</a:t>
+            </a:r>
+            <a:r>
+              <a:rPr lang="fr-CH" dirty="0" err="1">
+                <a:latin typeface="Courier New" panose="02070309020205020404" pitchFamily="49" charset="0"/>
+                <a:cs typeface="Courier New" panose="02070309020205020404" pitchFamily="49" charset="0"/>
+              </a:rPr>
+              <a:t>clear</a:t>
+            </a:r>
+            <a:r>
+              <a:rPr lang="fr-CH" dirty="0">
+                <a:latin typeface="Courier New" panose="02070309020205020404" pitchFamily="49" charset="0"/>
+                <a:cs typeface="Courier New" panose="02070309020205020404" pitchFamily="49" charset="0"/>
+              </a:rPr>
+              <a:t> </a:t>
+            </a:r>
+            <a:r>
+              <a:rPr lang="fr-CH" dirty="0" err="1">
+                <a:latin typeface="Courier New" panose="02070309020205020404" pitchFamily="49" charset="0"/>
+                <a:cs typeface="Courier New" panose="02070309020205020404" pitchFamily="49" charset="0"/>
+              </a:rPr>
+              <a:t>myTempVar</a:t>
+            </a:r>
+            <a:r>
+              <a:rPr lang="fr-CH" dirty="0">
+                <a:latin typeface="Courier New" panose="02070309020205020404" pitchFamily="49" charset="0"/>
+                <a:cs typeface="Courier New" panose="02070309020205020404" pitchFamily="49" charset="0"/>
+              </a:rPr>
+              <a:t>');</a:t>
+            </a:r>
+          </a:p>
+        </p:txBody>
+      </p:sp>
+    </p:spTree>
+    <p:extLst>
+      <p:ext uri="{BB962C8B-B14F-4D97-AF65-F5344CB8AC3E}">
+        <p14:creationId xmlns:p14="http://schemas.microsoft.com/office/powerpoint/2010/main" val="3944601823"/>
       </p:ext>
     </p:extLst>
   </p:cSld>
